--- a/Introduction to Web Components.pptx
+++ b/Introduction to Web Components.pptx
@@ -218,7 +218,7 @@
           <a:p>
             <a:fld id="{B1D81912-0BFA-43B4-8163-E0865E437B34}" type="datetimeFigureOut">
               <a:rPr lang="en-US" smtClean="0"/>
-              <a:t>02-Dec-21</a:t>
+              <a:t>17-Dec-21</a:t>
             </a:fld>
             <a:endParaRPr lang="en-US"/>
           </a:p>
@@ -2928,7 +2928,7 @@
           <a:p>
             <a:fld id="{B125196F-C753-4A26-9BCB-B2B099C186D8}" type="datetimeFigureOut">
               <a:rPr lang="en-US" smtClean="0"/>
-              <a:t>02-Dec-21</a:t>
+              <a:t>17-Dec-21</a:t>
             </a:fld>
             <a:endParaRPr lang="en-US"/>
           </a:p>
@@ -3126,7 +3126,7 @@
           <a:p>
             <a:fld id="{B125196F-C753-4A26-9BCB-B2B099C186D8}" type="datetimeFigureOut">
               <a:rPr lang="en-US" smtClean="0"/>
-              <a:t>02-Dec-21</a:t>
+              <a:t>17-Dec-21</a:t>
             </a:fld>
             <a:endParaRPr lang="en-US"/>
           </a:p>
@@ -3334,7 +3334,7 @@
           <a:p>
             <a:fld id="{B125196F-C753-4A26-9BCB-B2B099C186D8}" type="datetimeFigureOut">
               <a:rPr lang="en-US" smtClean="0"/>
-              <a:t>02-Dec-21</a:t>
+              <a:t>17-Dec-21</a:t>
             </a:fld>
             <a:endParaRPr lang="en-US"/>
           </a:p>
@@ -3532,7 +3532,7 @@
           <a:p>
             <a:fld id="{B125196F-C753-4A26-9BCB-B2B099C186D8}" type="datetimeFigureOut">
               <a:rPr lang="en-US" smtClean="0"/>
-              <a:t>02-Dec-21</a:t>
+              <a:t>17-Dec-21</a:t>
             </a:fld>
             <a:endParaRPr lang="en-US"/>
           </a:p>
@@ -3807,7 +3807,7 @@
           <a:p>
             <a:fld id="{B125196F-C753-4A26-9BCB-B2B099C186D8}" type="datetimeFigureOut">
               <a:rPr lang="en-US" smtClean="0"/>
-              <a:t>02-Dec-21</a:t>
+              <a:t>17-Dec-21</a:t>
             </a:fld>
             <a:endParaRPr lang="en-US"/>
           </a:p>
@@ -4072,7 +4072,7 @@
           <a:p>
             <a:fld id="{B125196F-C753-4A26-9BCB-B2B099C186D8}" type="datetimeFigureOut">
               <a:rPr lang="en-US" smtClean="0"/>
-              <a:t>02-Dec-21</a:t>
+              <a:t>17-Dec-21</a:t>
             </a:fld>
             <a:endParaRPr lang="en-US"/>
           </a:p>
@@ -4484,7 +4484,7 @@
           <a:p>
             <a:fld id="{B125196F-C753-4A26-9BCB-B2B099C186D8}" type="datetimeFigureOut">
               <a:rPr lang="en-US" smtClean="0"/>
-              <a:t>02-Dec-21</a:t>
+              <a:t>17-Dec-21</a:t>
             </a:fld>
             <a:endParaRPr lang="en-US"/>
           </a:p>
@@ -4625,7 +4625,7 @@
           <a:p>
             <a:fld id="{B125196F-C753-4A26-9BCB-B2B099C186D8}" type="datetimeFigureOut">
               <a:rPr lang="en-US" smtClean="0"/>
-              <a:t>02-Dec-21</a:t>
+              <a:t>17-Dec-21</a:t>
             </a:fld>
             <a:endParaRPr lang="en-US"/>
           </a:p>
@@ -4738,7 +4738,7 @@
           <a:p>
             <a:fld id="{B125196F-C753-4A26-9BCB-B2B099C186D8}" type="datetimeFigureOut">
               <a:rPr lang="en-US" smtClean="0"/>
-              <a:t>02-Dec-21</a:t>
+              <a:t>17-Dec-21</a:t>
             </a:fld>
             <a:endParaRPr lang="en-US"/>
           </a:p>
@@ -5049,7 +5049,7 @@
           <a:p>
             <a:fld id="{B125196F-C753-4A26-9BCB-B2B099C186D8}" type="datetimeFigureOut">
               <a:rPr lang="en-US" smtClean="0"/>
-              <a:t>02-Dec-21</a:t>
+              <a:t>17-Dec-21</a:t>
             </a:fld>
             <a:endParaRPr lang="en-US"/>
           </a:p>
@@ -5337,7 +5337,7 @@
           <a:p>
             <a:fld id="{B125196F-C753-4A26-9BCB-B2B099C186D8}" type="datetimeFigureOut">
               <a:rPr lang="en-US" smtClean="0"/>
-              <a:t>02-Dec-21</a:t>
+              <a:t>17-Dec-21</a:t>
             </a:fld>
             <a:endParaRPr lang="en-US"/>
           </a:p>
@@ -5578,7 +5578,7 @@
           <a:p>
             <a:fld id="{B125196F-C753-4A26-9BCB-B2B099C186D8}" type="datetimeFigureOut">
               <a:rPr lang="en-US" smtClean="0"/>
-              <a:t>02-Dec-21</a:t>
+              <a:t>17-Dec-21</a:t>
             </a:fld>
             <a:endParaRPr lang="en-US"/>
           </a:p>
@@ -5676,7 +5676,7 @@
       </p:sp>
       <p:sp>
         <p:nvSpPr>
-          <p:cNvPr id="7" name="MSIPCMContentMarking" descr="{&quot;HashCode&quot;:1235388660,&quot;Placement&quot;:&quot;Footer&quot;,&quot;Top&quot;:525.346863,&quot;Left&quot;:462.094818,&quot;SlideWidth&quot;:960,&quot;SlideHeight&quot;:540}">
+          <p:cNvPr id="7" name="MSIPCMContentMarking" descr="{&quot;HashCode&quot;:750744835,&quot;Placement&quot;:&quot;Footer&quot;,&quot;Top&quot;:525.346863,&quot;Left&quot;:463.983,&quot;SlideWidth&quot;:960,&quot;SlideHeight&quot;:540}">
             <a:extLst>
               <a:ext uri="{FF2B5EF4-FFF2-40B4-BE49-F238E27FC236}">
                 <a16:creationId xmlns:a16="http://schemas.microsoft.com/office/drawing/2014/main" id="{5BC9E291-AE72-4949-88AD-4F0C2580FECF}"/>
@@ -5688,8 +5688,8 @@
         </p:nvSpPr>
         <p:spPr>
           <a:xfrm>
-            <a:off x="5868604" y="6671905"/>
-            <a:ext cx="454791" cy="186095"/>
+            <a:off x="5892584" y="6671905"/>
+            <a:ext cx="406832" cy="186095"/>
           </a:xfrm>
           <a:prstGeom prst="rect">
             <a:avLst/>
@@ -5717,7 +5717,7 @@
                 </a:solidFill>
                 <a:latin typeface="Arial" panose="020B0604020202020204" pitchFamily="34" charset="0"/>
               </a:rPr>
-              <a:t>Internal</a:t>
+              <a:t>Public</a:t>
             </a:r>
           </a:p>
         </p:txBody>
